--- a/hicks-psremoting.pptx
+++ b/hicks-psremoting.pptx
@@ -412,7 +412,7 @@
               <a:pPr>
                 <a:defRPr/>
               </a:pPr>
-              <a:t>10/26/2019</a:t>
+              <a:t>10/28/2019</a:t>
             </a:fld>
             <a:endParaRPr lang="en-US"/>
           </a:p>
@@ -1065,7 +1065,7 @@
               <a:pPr>
                 <a:defRPr/>
               </a:pPr>
-              <a:t>10/26/2019</a:t>
+              <a:t>10/28/2019</a:t>
             </a:fld>
             <a:endParaRPr lang="en-US"/>
           </a:p>
@@ -1222,7 +1222,7 @@
               <a:pPr>
                 <a:defRPr/>
               </a:pPr>
-              <a:t>10/26/2019</a:t>
+              <a:t>10/28/2019</a:t>
             </a:fld>
             <a:endParaRPr lang="en-US"/>
           </a:p>
@@ -1389,7 +1389,7 @@
               <a:pPr>
                 <a:defRPr/>
               </a:pPr>
-              <a:t>10/26/2019</a:t>
+              <a:t>10/28/2019</a:t>
             </a:fld>
             <a:endParaRPr lang="en-US"/>
           </a:p>
@@ -1619,7 +1619,7 @@
               <a:pPr>
                 <a:defRPr/>
               </a:pPr>
-              <a:t>10/26/2019</a:t>
+              <a:t>10/28/2019</a:t>
             </a:fld>
             <a:endParaRPr lang="en-US"/>
           </a:p>
@@ -1786,7 +1786,7 @@
               <a:pPr>
                 <a:defRPr/>
               </a:pPr>
-              <a:t>10/26/2019</a:t>
+              <a:t>10/28/2019</a:t>
             </a:fld>
             <a:endParaRPr lang="en-US" dirty="0"/>
           </a:p>
@@ -2020,7 +2020,7 @@
               <a:pPr>
                 <a:defRPr/>
               </a:pPr>
-              <a:t>10/26/2019</a:t>
+              <a:t>10/28/2019</a:t>
             </a:fld>
             <a:endParaRPr lang="en-US"/>
           </a:p>
@@ -2294,7 +2294,7 @@
               <a:pPr>
                 <a:defRPr/>
               </a:pPr>
-              <a:t>10/26/2019</a:t>
+              <a:t>10/28/2019</a:t>
             </a:fld>
             <a:endParaRPr lang="en-US"/>
           </a:p>
@@ -2707,7 +2707,7 @@
               <a:pPr>
                 <a:defRPr/>
               </a:pPr>
-              <a:t>10/26/2019</a:t>
+              <a:t>10/28/2019</a:t>
             </a:fld>
             <a:endParaRPr lang="en-US"/>
           </a:p>
@@ -2813,7 +2813,7 @@
               <a:pPr>
                 <a:defRPr/>
               </a:pPr>
-              <a:t>10/26/2019</a:t>
+              <a:t>10/28/2019</a:t>
             </a:fld>
             <a:endParaRPr lang="en-US"/>
           </a:p>
@@ -2897,7 +2897,7 @@
               <a:pPr>
                 <a:defRPr/>
               </a:pPr>
-              <a:t>10/26/2019</a:t>
+              <a:t>10/28/2019</a:t>
             </a:fld>
             <a:endParaRPr lang="en-US"/>
           </a:p>
@@ -3161,7 +3161,7 @@
               <a:pPr>
                 <a:defRPr/>
               </a:pPr>
-              <a:t>10/26/2019</a:t>
+              <a:t>10/28/2019</a:t>
             </a:fld>
             <a:endParaRPr lang="en-US"/>
           </a:p>
@@ -3326,7 +3326,7 @@
               <a:pPr>
                 <a:defRPr/>
               </a:pPr>
-              <a:t>10/26/2019</a:t>
+              <a:t>10/28/2019</a:t>
             </a:fld>
             <a:endParaRPr lang="en-US" dirty="0"/>
           </a:p>
@@ -3573,7 +3573,7 @@
               <a:pPr>
                 <a:defRPr/>
               </a:pPr>
-              <a:t>10/26/2019</a:t>
+              <a:t>10/28/2019</a:t>
             </a:fld>
             <a:endParaRPr lang="en-US"/>
           </a:p>
@@ -3730,7 +3730,7 @@
               <a:pPr>
                 <a:defRPr/>
               </a:pPr>
-              <a:t>10/26/2019</a:t>
+              <a:t>10/28/2019</a:t>
             </a:fld>
             <a:endParaRPr lang="en-US"/>
           </a:p>
@@ -3897,7 +3897,7 @@
               <a:pPr>
                 <a:defRPr/>
               </a:pPr>
-              <a:t>10/26/2019</a:t>
+              <a:t>10/28/2019</a:t>
             </a:fld>
             <a:endParaRPr lang="en-US"/>
           </a:p>
@@ -4131,7 +4131,7 @@
               <a:pPr>
                 <a:defRPr/>
               </a:pPr>
-              <a:t>10/26/2019</a:t>
+              <a:t>10/28/2019</a:t>
             </a:fld>
             <a:endParaRPr lang="en-US"/>
           </a:p>
@@ -4405,7 +4405,7 @@
               <a:pPr>
                 <a:defRPr/>
               </a:pPr>
-              <a:t>10/26/2019</a:t>
+              <a:t>10/28/2019</a:t>
             </a:fld>
             <a:endParaRPr lang="en-US"/>
           </a:p>
@@ -4818,7 +4818,7 @@
               <a:pPr>
                 <a:defRPr/>
               </a:pPr>
-              <a:t>10/26/2019</a:t>
+              <a:t>10/28/2019</a:t>
             </a:fld>
             <a:endParaRPr lang="en-US"/>
           </a:p>
@@ -4924,7 +4924,7 @@
               <a:pPr>
                 <a:defRPr/>
               </a:pPr>
-              <a:t>10/26/2019</a:t>
+              <a:t>10/28/2019</a:t>
             </a:fld>
             <a:endParaRPr lang="en-US"/>
           </a:p>
@@ -5008,7 +5008,7 @@
               <a:pPr>
                 <a:defRPr/>
               </a:pPr>
-              <a:t>10/26/2019</a:t>
+              <a:t>10/28/2019</a:t>
             </a:fld>
             <a:endParaRPr lang="en-US"/>
           </a:p>
@@ -5272,7 +5272,7 @@
               <a:pPr>
                 <a:defRPr/>
               </a:pPr>
-              <a:t>10/26/2019</a:t>
+              <a:t>10/28/2019</a:t>
             </a:fld>
             <a:endParaRPr lang="en-US"/>
           </a:p>
@@ -5516,7 +5516,7 @@
               <a:pPr>
                 <a:defRPr/>
               </a:pPr>
-              <a:t>10/26/2019</a:t>
+              <a:t>10/28/2019</a:t>
             </a:fld>
             <a:endParaRPr lang="en-US"/>
           </a:p>
@@ -5749,7 +5749,7 @@
               <a:pPr>
                 <a:defRPr/>
               </a:pPr>
-              <a:t>10/26/2019</a:t>
+              <a:t>10/28/2019</a:t>
             </a:fld>
             <a:endParaRPr lang="en-US"/>
           </a:p>
@@ -6428,7 +6428,7 @@
               <a:pPr>
                 <a:defRPr/>
               </a:pPr>
-              <a:t>10/26/2019</a:t>
+              <a:t>10/28/2019</a:t>
             </a:fld>
             <a:endParaRPr lang="en-US"/>
           </a:p>
@@ -6953,8 +6953,8 @@
         </p:nvSpPr>
         <p:spPr bwMode="auto">
           <a:xfrm>
-            <a:off x="1650874" y="1635646"/>
-            <a:ext cx="7313613" cy="1028700"/>
+            <a:off x="539552" y="1635646"/>
+            <a:ext cx="8424935" cy="1028700"/>
           </a:xfrm>
           <a:prstGeom prst="rect">
             <a:avLst/>
@@ -7761,6 +7761,12 @@
             <a:r>
               <a:rPr lang="en-US" dirty="0"/>
               <a:t>Maximum demos</a:t>
+            </a:r>
+          </a:p>
+          <a:p>
+            <a:r>
+              <a:rPr lang="en-US" dirty="0"/>
+              <a:t>Your questions</a:t>
             </a:r>
           </a:p>
         </p:txBody>
